--- a/INFO523 Project - SVM - by Derek Rice - 15AUG2023.pptx
+++ b/INFO523 Project - SVM - by Derek Rice - 15AUG2023.pptx
@@ -7385,36 +7385,59 @@
           </a:xfrm>
         </p:spPr>
         <p:txBody>
-          <a:bodyPr/>
+          <a:bodyPr>
+            <a:normAutofit fontScale="92500" lnSpcReduction="10000"/>
+          </a:bodyPr>
           <a:lstStyle/>
           <a:p>
             <a:r>
               <a:rPr lang="en-US" cap="none"/>
-              <a:t>Support vector machines are effecting at classification tasks </a:t>
+              <a:t>Support vector machines are effective at classification tasks where a hyperplane is positioned to best separate classes +1 vs. -1 </a:t>
             </a:r>
           </a:p>
           <a:p>
             <a:r>
               <a:rPr lang="en-US" cap="none"/>
-              <a:t>Only data points on the margin hyperplane participate in the solution </a:t>
-            </a:r>
-          </a:p>
-          <a:p>
+              <a:t>Only data points on the “margin hyperplane” participate in the solution - these are the support vectors</a:t>
+            </a:r>
+          </a:p>
+          <a:p>
+            <a:pPr lvl="1"/>
             <a:r>
               <a:rPr lang="en-US" cap="none"/>
-              <a:t>For nonlinear separable data misclassifications of datapoints are allows. The parameter C – the cost function – is a summation of the maximum allowed misclassification </a:t>
+              <a:t>The idea is to locate the hyperplane such that the margin (the distance from the hyperplane to the support vectors) is maximized</a:t>
             </a:r>
           </a:p>
           <a:p>
             <a:r>
               <a:rPr lang="en-US" cap="none"/>
-              <a:t>For data that cannot be separated in two dimensional space kernal functions are leveraged to transform a data set to a higher dimensional space where a hyperplane can separate classes </a:t>
-            </a:r>
-          </a:p>
-          <a:p>
+              <a:t>For the non-linear separable case misclassifications of datapoints are allowed</a:t>
+            </a:r>
+          </a:p>
+          <a:p>
+            <a:pPr lvl="1"/>
             <a:r>
               <a:rPr lang="en-US" cap="none"/>
-              <a:t>Kernal functions use a dot product between vectors to translate the dataset to the higher dimensional space </a:t>
+              <a:t>The parameter C – the cost function – is a summation of the maximum allowed misclassification </a:t>
+            </a:r>
+          </a:p>
+          <a:p>
+            <a:r>
+              <a:rPr lang="en-US" cap="none"/>
+              <a:t>For data that cannot be separated in dataset dimensional space - kernal functions are leveraged to transform the data set to a higher dimensional space where a hyperplane can separate the classes </a:t>
+            </a:r>
+          </a:p>
+          <a:p>
+            <a:r>
+              <a:rPr lang="en-US" cap="none"/>
+              <a:t>Kernal functions use a dot product between vectors to translate the dataset to the higher dimensional space</a:t>
+            </a:r>
+          </a:p>
+          <a:p>
+            <a:pPr lvl="1"/>
+            <a:r>
+              <a:rPr lang="en-US" cap="none"/>
+              <a:t>Computationally efficient compared to calculating higher dimensional values and adding those columns to a dataset </a:t>
             </a:r>
           </a:p>
           <a:p>
